--- a/zookeeper.pptx
+++ b/zookeeper.pptx
@@ -114,7 +114,7 @@
   </p:defaultTextStyle>
   <p:extLst>
     <p:ext uri="{EFAFB233-063F-42B5-8137-9DF3F51BA10A}">
-      <p15:sldGuideLst xmlns:p15="http://schemas.microsoft.com/office/powerpoint/2012/main">
+      <p15:sldGuideLst xmlns:p15="http://schemas.microsoft.com/office/powerpoint/2012/main" xmlns="">
         <p15:guide id="1" orient="horz" pos="2160" userDrawn="1">
           <p15:clr>
             <a:srgbClr val="A4A3A4"/>
@@ -214,7 +214,7 @@
             <a:fld id="{05B1D5F9-199E-4B77-ACFB-0D659EE03F6C}" type="datetimeFigureOut">
               <a:rPr lang="zh-CN" altLang="en-US" smtClean="0"/>
               <a:pPr/>
-              <a:t>2018/6/1</a:t>
+              <a:t>2018/6/3</a:t>
             </a:fld>
             <a:endParaRPr lang="zh-CN" altLang="en-US"/>
           </a:p>
@@ -382,7 +382,7 @@
     </p:spTree>
     <p:extLst>
       <p:ext uri="{BB962C8B-B14F-4D97-AF65-F5344CB8AC3E}">
-        <p14:creationId xmlns:p14="http://schemas.microsoft.com/office/powerpoint/2010/main" val="4136795833"/>
+        <p14:creationId xmlns:p14="http://schemas.microsoft.com/office/powerpoint/2010/main" xmlns="" val="4136795833"/>
       </p:ext>
     </p:extLst>
   </p:cSld>
@@ -557,7 +557,7 @@
     </p:spTree>
     <p:extLst>
       <p:ext uri="{BB962C8B-B14F-4D97-AF65-F5344CB8AC3E}">
-        <p14:creationId xmlns:p14="http://schemas.microsoft.com/office/powerpoint/2010/main" val="2594768037"/>
+        <p14:creationId xmlns:p14="http://schemas.microsoft.com/office/powerpoint/2010/main" xmlns="" val="2594768037"/>
       </p:ext>
     </p:extLst>
   </p:cSld>
@@ -642,7 +642,7 @@
     </p:spTree>
     <p:extLst>
       <p:ext uri="{BB962C8B-B14F-4D97-AF65-F5344CB8AC3E}">
-        <p14:creationId xmlns:p14="http://schemas.microsoft.com/office/powerpoint/2010/main" val="2506518844"/>
+        <p14:creationId xmlns:p14="http://schemas.microsoft.com/office/powerpoint/2010/main" xmlns="" val="2506518844"/>
       </p:ext>
     </p:extLst>
   </p:cSld>
@@ -727,7 +727,7 @@
     </p:spTree>
     <p:extLst>
       <p:ext uri="{BB962C8B-B14F-4D97-AF65-F5344CB8AC3E}">
-        <p14:creationId xmlns:p14="http://schemas.microsoft.com/office/powerpoint/2010/main" val="4273141460"/>
+        <p14:creationId xmlns:p14="http://schemas.microsoft.com/office/powerpoint/2010/main" xmlns="" val="4273141460"/>
       </p:ext>
     </p:extLst>
   </p:cSld>
@@ -867,7 +867,7 @@
             <a:fld id="{91AD7F68-8E1B-45E2-8A27-5D5DEAAB1BF2}" type="datetimeFigureOut">
               <a:rPr lang="zh-CN" altLang="en-US" smtClean="0"/>
               <a:pPr/>
-              <a:t>2018/6/1</a:t>
+              <a:t>2018/6/3</a:t>
             </a:fld>
             <a:endParaRPr lang="zh-CN" altLang="en-US"/>
           </a:p>
@@ -919,20 +919,20 @@
     </p:spTree>
     <p:extLst>
       <p:ext uri="{BB962C8B-B14F-4D97-AF65-F5344CB8AC3E}">
-        <p14:creationId xmlns:p14="http://schemas.microsoft.com/office/powerpoint/2010/main" val="3379505774"/>
+        <p14:creationId xmlns:p14="http://schemas.microsoft.com/office/powerpoint/2010/main" xmlns="" val="3379505774"/>
       </p:ext>
     </p:extLst>
   </p:cSld>
   <p:clrMapOvr>
     <a:masterClrMapping/>
   </p:clrMapOvr>
-  <mc:AlternateContent xmlns:mc="http://schemas.openxmlformats.org/markup-compatibility/2006" xmlns:p14="http://schemas.microsoft.com/office/powerpoint/2010/main">
-    <mc:Choice Requires="p14">
+  <mc:AlternateContent xmlns:mc="http://schemas.openxmlformats.org/markup-compatibility/2006">
+    <mc:Choice xmlns:p14="http://schemas.microsoft.com/office/powerpoint/2010/main" xmlns="" Requires="p14">
       <p:transition spd="slow" p14:dur="1500" advClick="0" advTm="0">
         <p:random/>
       </p:transition>
     </mc:Choice>
-    <mc:Fallback xmlns="">
+    <mc:Fallback>
       <p:transition spd="slow" advClick="0" advTm="0">
         <p:random/>
       </p:transition>
@@ -1049,7 +1049,7 @@
             <a:fld id="{91AD7F68-8E1B-45E2-8A27-5D5DEAAB1BF2}" type="datetimeFigureOut">
               <a:rPr lang="zh-CN" altLang="en-US" smtClean="0"/>
               <a:pPr/>
-              <a:t>2018/6/1</a:t>
+              <a:t>2018/6/3</a:t>
             </a:fld>
             <a:endParaRPr lang="zh-CN" altLang="en-US"/>
           </a:p>
@@ -1101,20 +1101,20 @@
     </p:spTree>
     <p:extLst>
       <p:ext uri="{BB962C8B-B14F-4D97-AF65-F5344CB8AC3E}">
-        <p14:creationId xmlns:p14="http://schemas.microsoft.com/office/powerpoint/2010/main" val="4292131042"/>
+        <p14:creationId xmlns:p14="http://schemas.microsoft.com/office/powerpoint/2010/main" xmlns="" val="4292131042"/>
       </p:ext>
     </p:extLst>
   </p:cSld>
   <p:clrMapOvr>
     <a:masterClrMapping/>
   </p:clrMapOvr>
-  <mc:AlternateContent xmlns:mc="http://schemas.openxmlformats.org/markup-compatibility/2006" xmlns:p14="http://schemas.microsoft.com/office/powerpoint/2010/main">
-    <mc:Choice Requires="p14">
+  <mc:AlternateContent xmlns:mc="http://schemas.openxmlformats.org/markup-compatibility/2006">
+    <mc:Choice xmlns:p14="http://schemas.microsoft.com/office/powerpoint/2010/main" xmlns="" Requires="p14">
       <p:transition spd="slow" p14:dur="1500" advClick="0" advTm="0">
         <p:random/>
       </p:transition>
     </mc:Choice>
-    <mc:Fallback xmlns="">
+    <mc:Fallback>
       <p:transition spd="slow" advClick="0" advTm="0">
         <p:random/>
       </p:transition>
@@ -1241,7 +1241,7 @@
             <a:fld id="{91AD7F68-8E1B-45E2-8A27-5D5DEAAB1BF2}" type="datetimeFigureOut">
               <a:rPr lang="zh-CN" altLang="en-US" smtClean="0"/>
               <a:pPr/>
-              <a:t>2018/6/1</a:t>
+              <a:t>2018/6/3</a:t>
             </a:fld>
             <a:endParaRPr lang="zh-CN" altLang="en-US"/>
           </a:p>
@@ -1293,20 +1293,20 @@
     </p:spTree>
     <p:extLst>
       <p:ext uri="{BB962C8B-B14F-4D97-AF65-F5344CB8AC3E}">
-        <p14:creationId xmlns:p14="http://schemas.microsoft.com/office/powerpoint/2010/main" val="1952128637"/>
+        <p14:creationId xmlns:p14="http://schemas.microsoft.com/office/powerpoint/2010/main" xmlns="" val="1952128637"/>
       </p:ext>
     </p:extLst>
   </p:cSld>
   <p:clrMapOvr>
     <a:masterClrMapping/>
   </p:clrMapOvr>
-  <mc:AlternateContent xmlns:mc="http://schemas.openxmlformats.org/markup-compatibility/2006" xmlns:p14="http://schemas.microsoft.com/office/powerpoint/2010/main">
-    <mc:Choice Requires="p14">
+  <mc:AlternateContent xmlns:mc="http://schemas.openxmlformats.org/markup-compatibility/2006">
+    <mc:Choice xmlns:p14="http://schemas.microsoft.com/office/powerpoint/2010/main" xmlns="" Requires="p14">
       <p:transition spd="slow" p14:dur="1500" advClick="0" advTm="0">
         <p:random/>
       </p:transition>
     </mc:Choice>
-    <mc:Fallback xmlns="">
+    <mc:Fallback>
       <p:transition spd="slow" advClick="0" advTm="0">
         <p:random/>
       </p:transition>
@@ -1423,7 +1423,7 @@
             <a:fld id="{91AD7F68-8E1B-45E2-8A27-5D5DEAAB1BF2}" type="datetimeFigureOut">
               <a:rPr lang="zh-CN" altLang="en-US" smtClean="0"/>
               <a:pPr/>
-              <a:t>2018/6/1</a:t>
+              <a:t>2018/6/3</a:t>
             </a:fld>
             <a:endParaRPr lang="zh-CN" altLang="en-US"/>
           </a:p>
@@ -1475,20 +1475,20 @@
     </p:spTree>
     <p:extLst>
       <p:ext uri="{BB962C8B-B14F-4D97-AF65-F5344CB8AC3E}">
-        <p14:creationId xmlns:p14="http://schemas.microsoft.com/office/powerpoint/2010/main" val="4173798514"/>
+        <p14:creationId xmlns:p14="http://schemas.microsoft.com/office/powerpoint/2010/main" xmlns="" val="4173798514"/>
       </p:ext>
     </p:extLst>
   </p:cSld>
   <p:clrMapOvr>
     <a:masterClrMapping/>
   </p:clrMapOvr>
-  <mc:AlternateContent xmlns:mc="http://schemas.openxmlformats.org/markup-compatibility/2006" xmlns:p14="http://schemas.microsoft.com/office/powerpoint/2010/main">
-    <mc:Choice Requires="p14">
+  <mc:AlternateContent xmlns:mc="http://schemas.openxmlformats.org/markup-compatibility/2006">
+    <mc:Choice xmlns:p14="http://schemas.microsoft.com/office/powerpoint/2010/main" xmlns="" Requires="p14">
       <p:transition spd="slow" p14:dur="1500" advClick="0" advTm="0">
         <p:random/>
       </p:transition>
     </mc:Choice>
-    <mc:Fallback xmlns="">
+    <mc:Fallback>
       <p:transition spd="slow" advClick="0" advTm="0">
         <p:random/>
       </p:transition>
@@ -1682,7 +1682,7 @@
             <a:fld id="{91AD7F68-8E1B-45E2-8A27-5D5DEAAB1BF2}" type="datetimeFigureOut">
               <a:rPr lang="zh-CN" altLang="en-US" smtClean="0"/>
               <a:pPr/>
-              <a:t>2018/6/1</a:t>
+              <a:t>2018/6/3</a:t>
             </a:fld>
             <a:endParaRPr lang="zh-CN" altLang="en-US"/>
           </a:p>
@@ -1734,20 +1734,20 @@
     </p:spTree>
     <p:extLst>
       <p:ext uri="{BB962C8B-B14F-4D97-AF65-F5344CB8AC3E}">
-        <p14:creationId xmlns:p14="http://schemas.microsoft.com/office/powerpoint/2010/main" val="2343028950"/>
+        <p14:creationId xmlns:p14="http://schemas.microsoft.com/office/powerpoint/2010/main" xmlns="" val="2343028950"/>
       </p:ext>
     </p:extLst>
   </p:cSld>
   <p:clrMapOvr>
     <a:masterClrMapping/>
   </p:clrMapOvr>
-  <mc:AlternateContent xmlns:mc="http://schemas.openxmlformats.org/markup-compatibility/2006" xmlns:p14="http://schemas.microsoft.com/office/powerpoint/2010/main">
-    <mc:Choice Requires="p14">
+  <mc:AlternateContent xmlns:mc="http://schemas.openxmlformats.org/markup-compatibility/2006">
+    <mc:Choice xmlns:p14="http://schemas.microsoft.com/office/powerpoint/2010/main" xmlns="" Requires="p14">
       <p:transition spd="slow" p14:dur="1500" advClick="0" advTm="0">
         <p:random/>
       </p:transition>
     </mc:Choice>
-    <mc:Fallback xmlns="">
+    <mc:Fallback>
       <p:transition spd="slow" advClick="0" advTm="0">
         <p:random/>
       </p:transition>
@@ -1925,7 +1925,7 @@
             <a:fld id="{91AD7F68-8E1B-45E2-8A27-5D5DEAAB1BF2}" type="datetimeFigureOut">
               <a:rPr lang="zh-CN" altLang="en-US" smtClean="0"/>
               <a:pPr/>
-              <a:t>2018/6/1</a:t>
+              <a:t>2018/6/3</a:t>
             </a:fld>
             <a:endParaRPr lang="zh-CN" altLang="en-US"/>
           </a:p>
@@ -1977,20 +1977,20 @@
     </p:spTree>
     <p:extLst>
       <p:ext uri="{BB962C8B-B14F-4D97-AF65-F5344CB8AC3E}">
-        <p14:creationId xmlns:p14="http://schemas.microsoft.com/office/powerpoint/2010/main" val="1951757828"/>
+        <p14:creationId xmlns:p14="http://schemas.microsoft.com/office/powerpoint/2010/main" xmlns="" val="1951757828"/>
       </p:ext>
     </p:extLst>
   </p:cSld>
   <p:clrMapOvr>
     <a:masterClrMapping/>
   </p:clrMapOvr>
-  <mc:AlternateContent xmlns:mc="http://schemas.openxmlformats.org/markup-compatibility/2006" xmlns:p14="http://schemas.microsoft.com/office/powerpoint/2010/main">
-    <mc:Choice Requires="p14">
+  <mc:AlternateContent xmlns:mc="http://schemas.openxmlformats.org/markup-compatibility/2006">
+    <mc:Choice xmlns:p14="http://schemas.microsoft.com/office/powerpoint/2010/main" xmlns="" Requires="p14">
       <p:transition spd="slow" p14:dur="1500" advClick="0" advTm="0">
         <p:random/>
       </p:transition>
     </mc:Choice>
-    <mc:Fallback xmlns="">
+    <mc:Fallback>
       <p:transition spd="slow" advClick="0" advTm="0">
         <p:random/>
       </p:transition>
@@ -2303,7 +2303,7 @@
             <a:fld id="{91AD7F68-8E1B-45E2-8A27-5D5DEAAB1BF2}" type="datetimeFigureOut">
               <a:rPr lang="zh-CN" altLang="en-US" smtClean="0"/>
               <a:pPr/>
-              <a:t>2018/6/1</a:t>
+              <a:t>2018/6/3</a:t>
             </a:fld>
             <a:endParaRPr lang="zh-CN" altLang="en-US"/>
           </a:p>
@@ -2355,20 +2355,20 @@
     </p:spTree>
     <p:extLst>
       <p:ext uri="{BB962C8B-B14F-4D97-AF65-F5344CB8AC3E}">
-        <p14:creationId xmlns:p14="http://schemas.microsoft.com/office/powerpoint/2010/main" val="3785743930"/>
+        <p14:creationId xmlns:p14="http://schemas.microsoft.com/office/powerpoint/2010/main" xmlns="" val="3785743930"/>
       </p:ext>
     </p:extLst>
   </p:cSld>
   <p:clrMapOvr>
     <a:masterClrMapping/>
   </p:clrMapOvr>
-  <mc:AlternateContent xmlns:mc="http://schemas.openxmlformats.org/markup-compatibility/2006" xmlns:p14="http://schemas.microsoft.com/office/powerpoint/2010/main">
-    <mc:Choice Requires="p14">
+  <mc:AlternateContent xmlns:mc="http://schemas.openxmlformats.org/markup-compatibility/2006">
+    <mc:Choice xmlns:p14="http://schemas.microsoft.com/office/powerpoint/2010/main" xmlns="" Requires="p14">
       <p:transition spd="slow" p14:dur="1500" advClick="0" advTm="0">
         <p:random/>
       </p:transition>
     </mc:Choice>
-    <mc:Fallback xmlns="">
+    <mc:Fallback>
       <p:transition spd="slow" advClick="0" advTm="0">
         <p:random/>
       </p:transition>
@@ -2434,7 +2434,7 @@
             <a:fld id="{91AD7F68-8E1B-45E2-8A27-5D5DEAAB1BF2}" type="datetimeFigureOut">
               <a:rPr lang="zh-CN" altLang="en-US" smtClean="0"/>
               <a:pPr/>
-              <a:t>2018/6/1</a:t>
+              <a:t>2018/6/3</a:t>
             </a:fld>
             <a:endParaRPr lang="zh-CN" altLang="en-US"/>
           </a:p>
@@ -2486,20 +2486,20 @@
     </p:spTree>
     <p:extLst>
       <p:ext uri="{BB962C8B-B14F-4D97-AF65-F5344CB8AC3E}">
-        <p14:creationId xmlns:p14="http://schemas.microsoft.com/office/powerpoint/2010/main" val="1272998583"/>
+        <p14:creationId xmlns:p14="http://schemas.microsoft.com/office/powerpoint/2010/main" xmlns="" val="1272998583"/>
       </p:ext>
     </p:extLst>
   </p:cSld>
   <p:clrMapOvr>
     <a:masterClrMapping/>
   </p:clrMapOvr>
-  <mc:AlternateContent xmlns:mc="http://schemas.openxmlformats.org/markup-compatibility/2006" xmlns:p14="http://schemas.microsoft.com/office/powerpoint/2010/main">
-    <mc:Choice Requires="p14">
+  <mc:AlternateContent xmlns:mc="http://schemas.openxmlformats.org/markup-compatibility/2006">
+    <mc:Choice xmlns:p14="http://schemas.microsoft.com/office/powerpoint/2010/main" xmlns="" Requires="p14">
       <p:transition spd="slow" p14:dur="1500" advClick="0" advTm="0">
         <p:random/>
       </p:transition>
     </mc:Choice>
-    <mc:Fallback xmlns="">
+    <mc:Fallback>
       <p:transition spd="slow" advClick="0" advTm="0">
         <p:random/>
       </p:transition>
@@ -2543,7 +2543,7 @@
             <a:fld id="{91AD7F68-8E1B-45E2-8A27-5D5DEAAB1BF2}" type="datetimeFigureOut">
               <a:rPr lang="zh-CN" altLang="en-US" smtClean="0"/>
               <a:pPr/>
-              <a:t>2018/6/1</a:t>
+              <a:t>2018/6/3</a:t>
             </a:fld>
             <a:endParaRPr lang="zh-CN" altLang="en-US"/>
           </a:p>
@@ -2595,20 +2595,20 @@
     </p:spTree>
     <p:extLst>
       <p:ext uri="{BB962C8B-B14F-4D97-AF65-F5344CB8AC3E}">
-        <p14:creationId xmlns:p14="http://schemas.microsoft.com/office/powerpoint/2010/main" val="2103091704"/>
+        <p14:creationId xmlns:p14="http://schemas.microsoft.com/office/powerpoint/2010/main" xmlns="" val="2103091704"/>
       </p:ext>
     </p:extLst>
   </p:cSld>
   <p:clrMapOvr>
     <a:masterClrMapping/>
   </p:clrMapOvr>
-  <mc:AlternateContent xmlns:mc="http://schemas.openxmlformats.org/markup-compatibility/2006" xmlns:p14="http://schemas.microsoft.com/office/powerpoint/2010/main">
-    <mc:Choice Requires="p14">
+  <mc:AlternateContent xmlns:mc="http://schemas.openxmlformats.org/markup-compatibility/2006">
+    <mc:Choice xmlns:p14="http://schemas.microsoft.com/office/powerpoint/2010/main" xmlns="" Requires="p14">
       <p:transition spd="slow" p14:dur="1500" advClick="0" advTm="0">
         <p:random/>
       </p:transition>
     </mc:Choice>
-    <mc:Fallback xmlns="">
+    <mc:Fallback>
       <p:transition spd="slow" advClick="0" advTm="0">
         <p:random/>
       </p:transition>
@@ -2832,7 +2832,7 @@
             <a:fld id="{91AD7F68-8E1B-45E2-8A27-5D5DEAAB1BF2}" type="datetimeFigureOut">
               <a:rPr lang="zh-CN" altLang="en-US" smtClean="0"/>
               <a:pPr/>
-              <a:t>2018/6/1</a:t>
+              <a:t>2018/6/3</a:t>
             </a:fld>
             <a:endParaRPr lang="zh-CN" altLang="en-US"/>
           </a:p>
@@ -2884,20 +2884,20 @@
     </p:spTree>
     <p:extLst>
       <p:ext uri="{BB962C8B-B14F-4D97-AF65-F5344CB8AC3E}">
-        <p14:creationId xmlns:p14="http://schemas.microsoft.com/office/powerpoint/2010/main" val="2275436477"/>
+        <p14:creationId xmlns:p14="http://schemas.microsoft.com/office/powerpoint/2010/main" xmlns="" val="2275436477"/>
       </p:ext>
     </p:extLst>
   </p:cSld>
   <p:clrMapOvr>
     <a:masterClrMapping/>
   </p:clrMapOvr>
-  <mc:AlternateContent xmlns:mc="http://schemas.openxmlformats.org/markup-compatibility/2006" xmlns:p14="http://schemas.microsoft.com/office/powerpoint/2010/main">
-    <mc:Choice Requires="p14">
+  <mc:AlternateContent xmlns:mc="http://schemas.openxmlformats.org/markup-compatibility/2006">
+    <mc:Choice xmlns:p14="http://schemas.microsoft.com/office/powerpoint/2010/main" xmlns="" Requires="p14">
       <p:transition spd="slow" p14:dur="1500" advClick="0" advTm="0">
         <p:random/>
       </p:transition>
     </mc:Choice>
-    <mc:Fallback xmlns="">
+    <mc:Fallback>
       <p:transition spd="slow" advClick="0" advTm="0">
         <p:random/>
       </p:transition>
@@ -3098,7 +3098,7 @@
             <a:fld id="{91AD7F68-8E1B-45E2-8A27-5D5DEAAB1BF2}" type="datetimeFigureOut">
               <a:rPr lang="zh-CN" altLang="en-US" smtClean="0"/>
               <a:pPr/>
-              <a:t>2018/6/1</a:t>
+              <a:t>2018/6/3</a:t>
             </a:fld>
             <a:endParaRPr lang="zh-CN" altLang="en-US"/>
           </a:p>
@@ -3150,20 +3150,20 @@
     </p:spTree>
     <p:extLst>
       <p:ext uri="{BB962C8B-B14F-4D97-AF65-F5344CB8AC3E}">
-        <p14:creationId xmlns:p14="http://schemas.microsoft.com/office/powerpoint/2010/main" val="2724821356"/>
+        <p14:creationId xmlns:p14="http://schemas.microsoft.com/office/powerpoint/2010/main" xmlns="" val="2724821356"/>
       </p:ext>
     </p:extLst>
   </p:cSld>
   <p:clrMapOvr>
     <a:masterClrMapping/>
   </p:clrMapOvr>
-  <mc:AlternateContent xmlns:mc="http://schemas.openxmlformats.org/markup-compatibility/2006" xmlns:p14="http://schemas.microsoft.com/office/powerpoint/2010/main">
-    <mc:Choice Requires="p14">
+  <mc:AlternateContent xmlns:mc="http://schemas.openxmlformats.org/markup-compatibility/2006">
+    <mc:Choice xmlns:p14="http://schemas.microsoft.com/office/powerpoint/2010/main" xmlns="" Requires="p14">
       <p:transition spd="slow" p14:dur="1500" advClick="0" advTm="0">
         <p:random/>
       </p:transition>
     </mc:Choice>
-    <mc:Fallback xmlns="">
+    <mc:Fallback>
       <p:transition spd="slow" advClick="0" advTm="0">
         <p:random/>
       </p:transition>
@@ -3323,7 +3323,7 @@
             <a:fld id="{91AD7F68-8E1B-45E2-8A27-5D5DEAAB1BF2}" type="datetimeFigureOut">
               <a:rPr lang="zh-CN" altLang="en-US" smtClean="0"/>
               <a:pPr/>
-              <a:t>2018/6/1</a:t>
+              <a:t>2018/6/3</a:t>
             </a:fld>
             <a:endParaRPr lang="zh-CN" altLang="en-US"/>
           </a:p>
@@ -3411,7 +3411,7 @@
     </p:spTree>
     <p:extLst>
       <p:ext uri="{BB962C8B-B14F-4D97-AF65-F5344CB8AC3E}">
-        <p14:creationId xmlns:p14="http://schemas.microsoft.com/office/powerpoint/2010/main" val="666783823"/>
+        <p14:creationId xmlns:p14="http://schemas.microsoft.com/office/powerpoint/2010/main" xmlns="" val="666783823"/>
       </p:ext>
     </p:extLst>
   </p:cSld>
@@ -3429,13 +3429,13 @@
     <p:sldLayoutId id="2147483658" r:id="rId10"/>
     <p:sldLayoutId id="2147483659" r:id="rId11"/>
   </p:sldLayoutIdLst>
-  <mc:AlternateContent xmlns:mc="http://schemas.openxmlformats.org/markup-compatibility/2006" xmlns:p14="http://schemas.microsoft.com/office/powerpoint/2010/main">
-    <mc:Choice Requires="p14">
+  <mc:AlternateContent xmlns:mc="http://schemas.openxmlformats.org/markup-compatibility/2006">
+    <mc:Choice xmlns:p14="http://schemas.microsoft.com/office/powerpoint/2010/main" xmlns="" Requires="p14">
       <p:transition spd="slow" p14:dur="1500" advClick="0" advTm="0">
         <p:random/>
       </p:transition>
     </mc:Choice>
-    <mc:Fallback xmlns="">
+    <mc:Fallback>
       <p:transition spd="slow" advClick="0" advTm="0">
         <p:random/>
       </p:transition>
@@ -3753,7 +3753,7 @@
           <a:blip r:embed="rId3" cstate="print">
             <a:extLst>
               <a:ext uri="{28A0092B-C50C-407E-A947-70E740481C1C}">
-                <a14:useLocalDpi xmlns:a14="http://schemas.microsoft.com/office/drawing/2010/main"/>
+                <a14:useLocalDpi xmlns:a14="http://schemas.microsoft.com/office/drawing/2010/main" xmlns=""/>
               </a:ext>
             </a:extLst>
           </a:blip>
@@ -9327,7 +9327,7 @@
           <p:cNvPr id="9" name="TextBox 8">
             <a:extLst>
               <a:ext uri="{FF2B5EF4-FFF2-40B4-BE49-F238E27FC236}">
-                <a16:creationId xmlns:a16="http://schemas.microsoft.com/office/drawing/2014/main" id="{73C77ED2-C357-47B7-8381-585C44BF2B89}"/>
+                <a16:creationId xmlns:a16="http://schemas.microsoft.com/office/drawing/2014/main" xmlns="" id="{73C77ED2-C357-47B7-8381-585C44BF2B89}"/>
               </a:ext>
             </a:extLst>
           </p:cNvPr>
@@ -9374,20 +9374,20 @@
     </p:spTree>
     <p:extLst>
       <p:ext uri="{BB962C8B-B14F-4D97-AF65-F5344CB8AC3E}">
-        <p14:creationId xmlns:p14="http://schemas.microsoft.com/office/powerpoint/2010/main" val="656483861"/>
+        <p14:creationId xmlns:p14="http://schemas.microsoft.com/office/powerpoint/2010/main" xmlns="" val="656483861"/>
       </p:ext>
     </p:extLst>
   </p:cSld>
   <p:clrMapOvr>
     <a:masterClrMapping/>
   </p:clrMapOvr>
-  <mc:AlternateContent xmlns:mc="http://schemas.openxmlformats.org/markup-compatibility/2006" xmlns:p14="http://schemas.microsoft.com/office/powerpoint/2010/main">
-    <mc:Choice Requires="p14">
+  <mc:AlternateContent xmlns:mc="http://schemas.openxmlformats.org/markup-compatibility/2006">
+    <mc:Choice xmlns:p14="http://schemas.microsoft.com/office/powerpoint/2010/main" xmlns="" Requires="p14">
       <p:transition spd="slow" p14:dur="1500">
         <p:random/>
       </p:transition>
     </mc:Choice>
-    <mc:Fallback xmlns="">
+    <mc:Fallback>
       <p:transition spd="slow">
         <p:random/>
       </p:transition>
@@ -9942,7 +9942,7 @@
           <p:cNvPr id="3" name="Rectangle 2">
             <a:extLst>
               <a:ext uri="{FF2B5EF4-FFF2-40B4-BE49-F238E27FC236}">
-                <a16:creationId xmlns:a16="http://schemas.microsoft.com/office/drawing/2014/main" id="{3EC1A520-F8F0-4485-9D8D-9834C2B7D343}"/>
+                <a16:creationId xmlns:a16="http://schemas.microsoft.com/office/drawing/2014/main" xmlns="" id="{3EC1A520-F8F0-4485-9D8D-9834C2B7D343}"/>
               </a:ext>
             </a:extLst>
           </p:cNvPr>
@@ -10000,7 +10000,7 @@
           <p:cNvPr id="4" name="Picture 3">
             <a:extLst>
               <a:ext uri="{FF2B5EF4-FFF2-40B4-BE49-F238E27FC236}">
-                <a16:creationId xmlns:a16="http://schemas.microsoft.com/office/drawing/2014/main" id="{4F53408E-3A2B-4822-9E14-08AE635F78A8}"/>
+                <a16:creationId xmlns:a16="http://schemas.microsoft.com/office/drawing/2014/main" xmlns="" id="{4F53408E-3A2B-4822-9E14-08AE635F78A8}"/>
               </a:ext>
             </a:extLst>
           </p:cNvPr>
@@ -10010,7 +10010,7 @@
           <p:nvPr/>
         </p:nvPicPr>
         <p:blipFill>
-          <a:blip r:embed="rId3"/>
+          <a:blip r:embed="rId3" cstate="print"/>
           <a:stretch>
             <a:fillRect/>
           </a:stretch>
@@ -10030,7 +10030,7 @@
           <p:cNvPr id="5" name="Picture 4">
             <a:extLst>
               <a:ext uri="{FF2B5EF4-FFF2-40B4-BE49-F238E27FC236}">
-                <a16:creationId xmlns:a16="http://schemas.microsoft.com/office/drawing/2014/main" id="{F974D53D-DC9B-47EF-A9A2-F97069778825}"/>
+                <a16:creationId xmlns:a16="http://schemas.microsoft.com/office/drawing/2014/main" xmlns="" id="{F974D53D-DC9B-47EF-A9A2-F97069778825}"/>
               </a:ext>
             </a:extLst>
           </p:cNvPr>
@@ -10040,7 +10040,7 @@
           <p:nvPr/>
         </p:nvPicPr>
         <p:blipFill>
-          <a:blip r:embed="rId4"/>
+          <a:blip r:embed="rId4" cstate="print"/>
           <a:stretch>
             <a:fillRect/>
           </a:stretch>
@@ -10060,7 +10060,7 @@
           <p:cNvPr id="6" name="Picture 5">
             <a:extLst>
               <a:ext uri="{FF2B5EF4-FFF2-40B4-BE49-F238E27FC236}">
-                <a16:creationId xmlns:a16="http://schemas.microsoft.com/office/drawing/2014/main" id="{70AEC420-B065-4E64-BEEC-6EF31A4A8139}"/>
+                <a16:creationId xmlns:a16="http://schemas.microsoft.com/office/drawing/2014/main" xmlns="" id="{70AEC420-B065-4E64-BEEC-6EF31A4A8139}"/>
               </a:ext>
             </a:extLst>
           </p:cNvPr>
@@ -10070,7 +10070,7 @@
           <p:nvPr/>
         </p:nvPicPr>
         <p:blipFill>
-          <a:blip r:embed="rId5"/>
+          <a:blip r:embed="rId5" cstate="print"/>
           <a:stretch>
             <a:fillRect/>
           </a:stretch>
@@ -10090,7 +10090,7 @@
           <p:cNvPr id="8" name="Straight Arrow Connector 7">
             <a:extLst>
               <a:ext uri="{FF2B5EF4-FFF2-40B4-BE49-F238E27FC236}">
-                <a16:creationId xmlns:a16="http://schemas.microsoft.com/office/drawing/2014/main" id="{93642412-98BD-497E-B148-1B36D43416F6}"/>
+                <a16:creationId xmlns:a16="http://schemas.microsoft.com/office/drawing/2014/main" xmlns="" id="{93642412-98BD-497E-B148-1B36D43416F6}"/>
               </a:ext>
             </a:extLst>
           </p:cNvPr>
@@ -10131,7 +10131,7 @@
           <p:cNvPr id="10" name="Straight Arrow Connector 9">
             <a:extLst>
               <a:ext uri="{FF2B5EF4-FFF2-40B4-BE49-F238E27FC236}">
-                <a16:creationId xmlns:a16="http://schemas.microsoft.com/office/drawing/2014/main" id="{4EE1600F-5FD0-40DF-8788-4FF617AB41A8}"/>
+                <a16:creationId xmlns:a16="http://schemas.microsoft.com/office/drawing/2014/main" xmlns="" id="{4EE1600F-5FD0-40DF-8788-4FF617AB41A8}"/>
               </a:ext>
             </a:extLst>
           </p:cNvPr>
@@ -10171,20 +10171,20 @@
     </p:spTree>
     <p:extLst>
       <p:ext uri="{BB962C8B-B14F-4D97-AF65-F5344CB8AC3E}">
-        <p14:creationId xmlns:p14="http://schemas.microsoft.com/office/powerpoint/2010/main" val="264814506"/>
+        <p14:creationId xmlns:p14="http://schemas.microsoft.com/office/powerpoint/2010/main" xmlns="" val="264814506"/>
       </p:ext>
     </p:extLst>
   </p:cSld>
   <p:clrMapOvr>
     <a:masterClrMapping/>
   </p:clrMapOvr>
-  <mc:AlternateContent xmlns:mc="http://schemas.openxmlformats.org/markup-compatibility/2006" xmlns:p14="http://schemas.microsoft.com/office/powerpoint/2010/main">
-    <mc:Choice Requires="p14">
+  <mc:AlternateContent xmlns:mc="http://schemas.openxmlformats.org/markup-compatibility/2006">
+    <mc:Choice xmlns:p14="http://schemas.microsoft.com/office/powerpoint/2010/main" xmlns="" Requires="p14">
       <p:transition spd="slow" p14:dur="1500">
         <p:random/>
       </p:transition>
     </mc:Choice>
-    <mc:Fallback xmlns="">
+    <mc:Fallback>
       <p:transition spd="slow">
         <p:random/>
       </p:transition>
@@ -10685,7 +10685,7 @@
           <p:cNvPr id="4" name="Table 3">
             <a:extLst>
               <a:ext uri="{FF2B5EF4-FFF2-40B4-BE49-F238E27FC236}">
-                <a16:creationId xmlns:a16="http://schemas.microsoft.com/office/drawing/2014/main" id="{03FD2017-379B-48AF-AA9A-FB3C7AE32DB0}"/>
+                <a16:creationId xmlns:a16="http://schemas.microsoft.com/office/drawing/2014/main" xmlns="" id="{03FD2017-379B-48AF-AA9A-FB3C7AE32DB0}"/>
               </a:ext>
             </a:extLst>
           </p:cNvPr>
@@ -10695,14 +10695,14 @@
           <p:nvPr>
             <p:extLst>
               <p:ext uri="{D42A27DB-BD31-4B8C-83A1-F6EECF244321}">
-                <p14:modId xmlns:p14="http://schemas.microsoft.com/office/powerpoint/2010/main" val="191805283"/>
+                <p14:modId xmlns:p14="http://schemas.microsoft.com/office/powerpoint/2010/main" xmlns="" val="191805283"/>
               </p:ext>
             </p:extLst>
           </p:nvPr>
         </p:nvGraphicFramePr>
         <p:xfrm>
           <a:off x="583060" y="1214643"/>
-          <a:ext cx="3598648" cy="1483360"/>
+          <a:ext cx="3988940" cy="1483360"/>
         </p:xfrm>
         <a:graphic>
           <a:graphicData uri="http://schemas.openxmlformats.org/drawingml/2006/table">
@@ -10711,17 +10711,17 @@
                 <a:tableStyleId>{93296810-A885-4BE3-A3E7-6D5BEEA58F35}</a:tableStyleId>
               </a:tblPr>
               <a:tblGrid>
-                <a:gridCol w="1799324">
+                <a:gridCol w="1994470">
                   <a:extLst>
                     <a:ext uri="{9D8B030D-6E8A-4147-A177-3AD203B41FA5}">
-                      <a16:colId xmlns:a16="http://schemas.microsoft.com/office/drawing/2014/main" val="1192428797"/>
+                      <a16:colId xmlns:a16="http://schemas.microsoft.com/office/drawing/2014/main" xmlns="" val="1192428797"/>
                     </a:ext>
                   </a:extLst>
                 </a:gridCol>
-                <a:gridCol w="1799324">
+                <a:gridCol w="1994470">
                   <a:extLst>
                     <a:ext uri="{9D8B030D-6E8A-4147-A177-3AD203B41FA5}">
-                      <a16:colId xmlns:a16="http://schemas.microsoft.com/office/drawing/2014/main" val="3030332615"/>
+                      <a16:colId xmlns:a16="http://schemas.microsoft.com/office/drawing/2014/main" xmlns="" val="3030332615"/>
                     </a:ext>
                   </a:extLst>
                 </a:gridCol>
@@ -10779,7 +10779,7 @@
                 </a:tc>
                 <a:extLst>
                   <a:ext uri="{0D108BD9-81ED-4DB2-BD59-A6C34878D82A}">
-                    <a16:rowId xmlns:a16="http://schemas.microsoft.com/office/drawing/2014/main" val="3779552813"/>
+                    <a16:rowId xmlns:a16="http://schemas.microsoft.com/office/drawing/2014/main" xmlns="" val="3779552813"/>
                   </a:ext>
                 </a:extLst>
               </a:tr>
@@ -10791,9 +10791,14 @@
                     <a:p>
                       <a:pPr algn="ctr"/>
                       <a:r>
-                        <a:rPr lang="en-US" dirty="0"/>
-                        <a:t>192.168.1.211</a:t>
+                        <a:rPr lang="en-US" dirty="0" smtClean="0"/>
+                        <a:t>192.168.1.2</a:t>
                       </a:r>
+                      <a:r>
+                        <a:rPr lang="en-US" altLang="zh-CN" dirty="0" smtClean="0"/>
+                        <a:t>00</a:t>
+                      </a:r>
+                      <a:endParaRPr lang="en-US" dirty="0"/>
                     </a:p>
                   </a:txBody>
                   <a:tcPr/>
@@ -10805,8 +10810,16 @@
                     <a:p>
                       <a:pPr algn="ctr"/>
                       <a:r>
+                        <a:rPr lang="en-US" altLang="zh-CN" dirty="0" smtClean="0"/>
+                        <a:t>200</a:t>
+                      </a:r>
+                      <a:r>
+                        <a:rPr lang="en-US" dirty="0" smtClean="0"/>
+                        <a:t> </a:t>
+                      </a:r>
+                      <a:r>
                         <a:rPr lang="en-US" dirty="0"/>
-                        <a:t>1 / 2888 / 3888</a:t>
+                        <a:t>/ 2888 / 3888</a:t>
                       </a:r>
                     </a:p>
                   </a:txBody>
@@ -10814,7 +10827,7 @@
                 </a:tc>
                 <a:extLst>
                   <a:ext uri="{0D108BD9-81ED-4DB2-BD59-A6C34878D82A}">
-                    <a16:rowId xmlns:a16="http://schemas.microsoft.com/office/drawing/2014/main" val="3170094617"/>
+                    <a16:rowId xmlns:a16="http://schemas.microsoft.com/office/drawing/2014/main" xmlns="" val="3170094617"/>
                   </a:ext>
                 </a:extLst>
               </a:tr>
@@ -10826,9 +10839,14 @@
                     <a:p>
                       <a:pPr algn="ctr"/>
                       <a:r>
-                        <a:rPr lang="en-US" dirty="0"/>
-                        <a:t>192.168.1.212</a:t>
+                        <a:rPr lang="en-US" dirty="0" smtClean="0"/>
+                        <a:t>192.168.1.2</a:t>
                       </a:r>
+                      <a:r>
+                        <a:rPr lang="en-US" altLang="zh-CN" dirty="0" smtClean="0"/>
+                        <a:t>01</a:t>
+                      </a:r>
+                      <a:endParaRPr lang="en-US" dirty="0"/>
                     </a:p>
                   </a:txBody>
                   <a:tcPr/>
@@ -10856,8 +10874,16 @@
                         <a:defRPr/>
                       </a:pPr>
                       <a:r>
+                        <a:rPr lang="en-US" altLang="zh-CN" dirty="0" smtClean="0"/>
+                        <a:t>201</a:t>
+                      </a:r>
+                      <a:r>
+                        <a:rPr lang="en-US" dirty="0" smtClean="0"/>
+                        <a:t> </a:t>
+                      </a:r>
+                      <a:r>
                         <a:rPr lang="en-US" dirty="0"/>
-                        <a:t>2 / 2888 / 3888</a:t>
+                        <a:t>/ 2888 / 3888</a:t>
                       </a:r>
                     </a:p>
                   </a:txBody>
@@ -10865,7 +10891,7 @@
                 </a:tc>
                 <a:extLst>
                   <a:ext uri="{0D108BD9-81ED-4DB2-BD59-A6C34878D82A}">
-                    <a16:rowId xmlns:a16="http://schemas.microsoft.com/office/drawing/2014/main" val="1064764339"/>
+                    <a16:rowId xmlns:a16="http://schemas.microsoft.com/office/drawing/2014/main" xmlns="" val="1064764339"/>
                   </a:ext>
                 </a:extLst>
               </a:tr>
@@ -10877,9 +10903,14 @@
                     <a:p>
                       <a:pPr algn="ctr"/>
                       <a:r>
-                        <a:rPr lang="en-US" dirty="0"/>
-                        <a:t>192.168.1.213</a:t>
+                        <a:rPr lang="en-US" dirty="0" smtClean="0"/>
+                        <a:t>192.168.1.2</a:t>
                       </a:r>
+                      <a:r>
+                        <a:rPr lang="en-US" altLang="zh-CN" dirty="0" smtClean="0"/>
+                        <a:t>02</a:t>
+                      </a:r>
+                      <a:endParaRPr lang="en-US" dirty="0"/>
                     </a:p>
                   </a:txBody>
                   <a:tcPr/>
@@ -10907,8 +10938,16 @@
                         <a:defRPr/>
                       </a:pPr>
                       <a:r>
+                        <a:rPr lang="en-US" altLang="zh-CN" dirty="0" smtClean="0"/>
+                        <a:t>202</a:t>
+                      </a:r>
+                      <a:r>
+                        <a:rPr lang="en-US" dirty="0" smtClean="0"/>
+                        <a:t> </a:t>
+                      </a:r>
+                      <a:r>
                         <a:rPr lang="en-US" dirty="0"/>
-                        <a:t>3 / 2888 / 3888</a:t>
+                        <a:t>/ 2888 / 3888</a:t>
                       </a:r>
                     </a:p>
                   </a:txBody>
@@ -10916,7 +10955,7 @@
                 </a:tc>
                 <a:extLst>
                   <a:ext uri="{0D108BD9-81ED-4DB2-BD59-A6C34878D82A}">
-                    <a16:rowId xmlns:a16="http://schemas.microsoft.com/office/drawing/2014/main" val="1799974999"/>
+                    <a16:rowId xmlns:a16="http://schemas.microsoft.com/office/drawing/2014/main" xmlns="" val="1799974999"/>
                   </a:ext>
                 </a:extLst>
               </a:tr>
@@ -10929,7 +10968,7 @@
           <p:cNvPr id="5" name="Rectangle: Rounded Corners 4">
             <a:extLst>
               <a:ext uri="{FF2B5EF4-FFF2-40B4-BE49-F238E27FC236}">
-                <a16:creationId xmlns:a16="http://schemas.microsoft.com/office/drawing/2014/main" id="{F44BD43D-D6E7-4B49-AD28-7A4A998525D0}"/>
+                <a16:creationId xmlns:a16="http://schemas.microsoft.com/office/drawing/2014/main" xmlns="" id="{F44BD43D-D6E7-4B49-AD28-7A4A998525D0}"/>
               </a:ext>
             </a:extLst>
           </p:cNvPr>
@@ -11015,9 +11054,18 @@
           </a:p>
           <a:p>
             <a:r>
+              <a:rPr lang="en-US" dirty="0" err="1"/>
+              <a:t>cd</a:t>
+            </a:r>
+            <a:r>
               <a:rPr lang="en-US" dirty="0"/>
-              <a:t>cd /var/lib/zookeeper/data</a:t>
+              <a:t> </a:t>
             </a:r>
+            <a:r>
+              <a:rPr lang="en-US" dirty="0" smtClean="0"/>
+              <a:t>zookeeper/data</a:t>
+            </a:r>
+            <a:endParaRPr lang="en-US" dirty="0"/>
           </a:p>
           <a:p>
             <a:r>
@@ -11045,12 +11093,17 @@
             </a:r>
             <a:r>
               <a:rPr lang="zh-CN" altLang="en-US" dirty="0"/>
-              <a:t>配置文件中声明的服务器编号</a:t>
+              <a:t>配置文件中声明的服务器编</a:t>
             </a:r>
             <a:r>
-              <a:rPr lang="en-US" dirty="0"/>
+              <a:rPr lang="zh-CN" altLang="en-US" dirty="0" smtClean="0"/>
+              <a:t>号</a:t>
+            </a:r>
+            <a:r>
+              <a:rPr lang="en-US" dirty="0" smtClean="0"/>
               <a:t>)</a:t>
             </a:r>
+            <a:endParaRPr lang="en-US" dirty="0"/>
           </a:p>
         </p:txBody>
       </p:sp>
@@ -11059,7 +11112,7 @@
           <p:cNvPr id="18" name="Straight Arrow Connector 17">
             <a:extLst>
               <a:ext uri="{FF2B5EF4-FFF2-40B4-BE49-F238E27FC236}">
-                <a16:creationId xmlns:a16="http://schemas.microsoft.com/office/drawing/2014/main" id="{C8470B2C-B355-4DDB-B351-34DE697606F9}"/>
+                <a16:creationId xmlns:a16="http://schemas.microsoft.com/office/drawing/2014/main" xmlns="" id="{C8470B2C-B355-4DDB-B351-34DE697606F9}"/>
               </a:ext>
             </a:extLst>
           </p:cNvPr>
@@ -11101,7 +11154,7 @@
           <p:cNvPr id="19" name="Rectangle: Rounded Corners 18">
             <a:extLst>
               <a:ext uri="{FF2B5EF4-FFF2-40B4-BE49-F238E27FC236}">
-                <a16:creationId xmlns:a16="http://schemas.microsoft.com/office/drawing/2014/main" id="{AF1D24BF-8D6C-44DB-95E6-FE63C41851A4}"/>
+                <a16:creationId xmlns:a16="http://schemas.microsoft.com/office/drawing/2014/main" xmlns="" id="{AF1D24BF-8D6C-44DB-95E6-FE63C41851A4}"/>
               </a:ext>
             </a:extLst>
           </p:cNvPr>
@@ -11148,23 +11201,25 @@
           </a:p>
           <a:p>
             <a:r>
-              <a:rPr lang="en-US" dirty="0" err="1"/>
+              <a:rPr lang="en-US" dirty="0" err="1" smtClean="0"/>
               <a:t>dataDir</a:t>
             </a:r>
             <a:r>
-              <a:rPr lang="en-US" dirty="0"/>
-              <a:t>=/var/lib/zookeeper/data</a:t>
+              <a:rPr lang="en-US" dirty="0" smtClean="0"/>
+              <a:t>=zookeeper/data</a:t>
             </a:r>
+            <a:endParaRPr lang="en-US" dirty="0"/>
           </a:p>
           <a:p>
             <a:r>
-              <a:rPr lang="en-US" dirty="0" err="1"/>
+              <a:rPr lang="en-US" dirty="0" err="1" smtClean="0"/>
               <a:t>dataLogDir</a:t>
             </a:r>
             <a:r>
-              <a:rPr lang="en-US" dirty="0"/>
-              <a:t>=/var/lib/zookeeper/logs</a:t>
+              <a:rPr lang="en-US" dirty="0" smtClean="0"/>
+              <a:t>=zookeeper/logs</a:t>
             </a:r>
+            <a:endParaRPr lang="en-US" dirty="0"/>
           </a:p>
           <a:p>
             <a:r>
@@ -11198,21 +11253,48 @@
           </a:p>
           <a:p>
             <a:r>
-              <a:rPr lang="en-US" dirty="0"/>
-              <a:t>server.1=192.168.1.211:2888:3888</a:t>
+              <a:rPr lang="en-US" dirty="0" smtClean="0"/>
+              <a:t>server.1=192.168.1.2</a:t>
             </a:r>
-          </a:p>
-          <a:p>
             <a:r>
-              <a:rPr lang="en-US" dirty="0"/>
-              <a:t>server.2=192.168.1.212:2888:3888</a:t>
+              <a:rPr lang="en-US" altLang="zh-CN" dirty="0" smtClean="0"/>
+              <a:t>00</a:t>
             </a:r>
-          </a:p>
-          <a:p>
             <a:r>
-              <a:rPr lang="en-US" dirty="0"/>
-              <a:t>server.3=192.168.1.213:2888:3888</a:t>
+              <a:rPr lang="en-US" dirty="0" smtClean="0"/>
+              <a:t>:2888:3888</a:t>
             </a:r>
+            <a:endParaRPr lang="en-US" dirty="0"/>
+          </a:p>
+          <a:p>
+            <a:r>
+              <a:rPr lang="en-US" dirty="0" smtClean="0"/>
+              <a:t>server.2=192.168.1.2</a:t>
+            </a:r>
+            <a:r>
+              <a:rPr lang="en-US" altLang="zh-CN" dirty="0" smtClean="0"/>
+              <a:t>01</a:t>
+            </a:r>
+            <a:r>
+              <a:rPr lang="en-US" dirty="0" smtClean="0"/>
+              <a:t>:2888:3888</a:t>
+            </a:r>
+            <a:endParaRPr lang="en-US" dirty="0"/>
+          </a:p>
+          <a:p>
+            <a:r>
+              <a:rPr lang="en-US" smtClean="0"/>
+              <a:t>server.3=192.168.1.2</a:t>
+            </a:r>
+            <a:r>
+              <a:rPr lang="en-US" altLang="zh-CN" smtClean="0"/>
+              <a:t>02</a:t>
+            </a:r>
+            <a:r>
+              <a:rPr lang="en-US" smtClean="0"/>
+              <a:t>:2888:3888</a:t>
+            </a:r>
+            <a:endParaRPr lang="en-US" dirty="0"/>
           </a:p>
         </p:txBody>
       </p:sp>
@@ -11221,7 +11303,7 @@
           <p:cNvPr id="28" name="Connector: Curved 27">
             <a:extLst>
               <a:ext uri="{FF2B5EF4-FFF2-40B4-BE49-F238E27FC236}">
-                <a16:creationId xmlns:a16="http://schemas.microsoft.com/office/drawing/2014/main" id="{4095E972-7815-49CE-B503-7A51B5BF2F57}"/>
+                <a16:creationId xmlns:a16="http://schemas.microsoft.com/office/drawing/2014/main" xmlns="" id="{4095E972-7815-49CE-B503-7A51B5BF2F57}"/>
               </a:ext>
             </a:extLst>
           </p:cNvPr>
@@ -11264,7 +11346,7 @@
           <p:cNvPr id="31" name="Connector: Curved 30">
             <a:extLst>
               <a:ext uri="{FF2B5EF4-FFF2-40B4-BE49-F238E27FC236}">
-                <a16:creationId xmlns:a16="http://schemas.microsoft.com/office/drawing/2014/main" id="{F56B7082-8B12-44BB-ADF0-54898EB9FC06}"/>
+                <a16:creationId xmlns:a16="http://schemas.microsoft.com/office/drawing/2014/main" xmlns="" id="{F56B7082-8B12-44BB-ADF0-54898EB9FC06}"/>
               </a:ext>
             </a:extLst>
           </p:cNvPr>
@@ -11305,7 +11387,7 @@
           <p:cNvPr id="33" name="Connector: Curved 32">
             <a:extLst>
               <a:ext uri="{FF2B5EF4-FFF2-40B4-BE49-F238E27FC236}">
-                <a16:creationId xmlns:a16="http://schemas.microsoft.com/office/drawing/2014/main" id="{F87A09E2-7F23-4B63-A5FA-2BC0ECB4E620}"/>
+                <a16:creationId xmlns:a16="http://schemas.microsoft.com/office/drawing/2014/main" xmlns="" id="{F87A09E2-7F23-4B63-A5FA-2BC0ECB4E620}"/>
               </a:ext>
             </a:extLst>
           </p:cNvPr>
@@ -11346,7 +11428,7 @@
           <p:cNvPr id="9" name="Straight Arrow Connector 8">
             <a:extLst>
               <a:ext uri="{FF2B5EF4-FFF2-40B4-BE49-F238E27FC236}">
-                <a16:creationId xmlns:a16="http://schemas.microsoft.com/office/drawing/2014/main" id="{9FC1ED75-3AC9-4D6C-9371-6D819E823677}"/>
+                <a16:creationId xmlns:a16="http://schemas.microsoft.com/office/drawing/2014/main" xmlns="" id="{9FC1ED75-3AC9-4D6C-9371-6D819E823677}"/>
               </a:ext>
             </a:extLst>
           </p:cNvPr>
@@ -11387,7 +11469,7 @@
           <p:cNvPr id="46" name="Straight Arrow Connector 45">
             <a:extLst>
               <a:ext uri="{FF2B5EF4-FFF2-40B4-BE49-F238E27FC236}">
-                <a16:creationId xmlns:a16="http://schemas.microsoft.com/office/drawing/2014/main" id="{7BA8E127-16B2-4189-8CA3-18E708061949}"/>
+                <a16:creationId xmlns:a16="http://schemas.microsoft.com/office/drawing/2014/main" xmlns="" id="{7BA8E127-16B2-4189-8CA3-18E708061949}"/>
               </a:ext>
             </a:extLst>
           </p:cNvPr>
@@ -11429,7 +11511,7 @@
           <p:cNvPr id="48" name="Right Brace 47">
             <a:extLst>
               <a:ext uri="{FF2B5EF4-FFF2-40B4-BE49-F238E27FC236}">
-                <a16:creationId xmlns:a16="http://schemas.microsoft.com/office/drawing/2014/main" id="{DFEB53DD-1125-42B3-96A6-400BAEF5EDEF}"/>
+                <a16:creationId xmlns:a16="http://schemas.microsoft.com/office/drawing/2014/main" xmlns="" id="{DFEB53DD-1125-42B3-96A6-400BAEF5EDEF}"/>
               </a:ext>
             </a:extLst>
           </p:cNvPr>
@@ -11473,7 +11555,7 @@
           <p:cNvPr id="50" name="Rectangle: Rounded Corners 49">
             <a:extLst>
               <a:ext uri="{FF2B5EF4-FFF2-40B4-BE49-F238E27FC236}">
-                <a16:creationId xmlns:a16="http://schemas.microsoft.com/office/drawing/2014/main" id="{805E818F-1534-4CF3-B210-FABE2B9977D5}"/>
+                <a16:creationId xmlns:a16="http://schemas.microsoft.com/office/drawing/2014/main" xmlns="" id="{805E818F-1534-4CF3-B210-FABE2B9977D5}"/>
               </a:ext>
             </a:extLst>
           </p:cNvPr>
@@ -11530,7 +11612,7 @@
           <p:cNvPr id="20" name="Rectangle: Rounded Corners 19">
             <a:extLst>
               <a:ext uri="{FF2B5EF4-FFF2-40B4-BE49-F238E27FC236}">
-                <a16:creationId xmlns:a16="http://schemas.microsoft.com/office/drawing/2014/main" id="{51E5B016-DA46-4E9B-BC35-A1B3A5AAE120}"/>
+                <a16:creationId xmlns:a16="http://schemas.microsoft.com/office/drawing/2014/main" xmlns="" id="{51E5B016-DA46-4E9B-BC35-A1B3A5AAE120}"/>
               </a:ext>
             </a:extLst>
           </p:cNvPr>
@@ -11582,23 +11664,89 @@
           </a:p>
         </p:txBody>
       </p:sp>
+      <p:sp>
+        <p:nvSpPr>
+          <p:cNvPr id="21" name="椭圆形标注 20"/>
+          <p:cNvSpPr/>
+          <p:nvPr/>
+        </p:nvSpPr>
+        <p:spPr>
+          <a:xfrm>
+            <a:off x="8509818" y="2182761"/>
+            <a:ext cx="2566219" cy="1430594"/>
+          </a:xfrm>
+          <a:prstGeom prst="wedgeEllipseCallout">
+            <a:avLst/>
+          </a:prstGeom>
+        </p:spPr>
+        <p:style>
+          <a:lnRef idx="2">
+            <a:schemeClr val="accent2"/>
+          </a:lnRef>
+          <a:fillRef idx="1">
+            <a:schemeClr val="lt1"/>
+          </a:fillRef>
+          <a:effectRef idx="0">
+            <a:schemeClr val="accent2"/>
+          </a:effectRef>
+          <a:fontRef idx="minor">
+            <a:schemeClr val="dk1"/>
+          </a:fontRef>
+        </p:style>
+        <p:txBody>
+          <a:bodyPr rtlCol="0" anchor="ctr"/>
+          <a:lstStyle/>
+          <a:p>
+            <a:pPr algn="ctr"/>
+            <a:r>
+              <a:rPr lang="zh-CN" altLang="en-US" dirty="0" smtClean="0">
+                <a:solidFill>
+                  <a:srgbClr val="FF0000"/>
+                </a:solidFill>
+              </a:rPr>
+              <a:t>编号不能为</a:t>
+            </a:r>
+            <a:r>
+              <a:rPr lang="en-US" altLang="zh-CN" dirty="0" smtClean="0">
+                <a:solidFill>
+                  <a:srgbClr val="FF0000"/>
+                </a:solidFill>
+              </a:rPr>
+              <a:t>0.</a:t>
+            </a:r>
+            <a:r>
+              <a:rPr lang="zh-CN" altLang="en-US" dirty="0" smtClean="0">
+                <a:solidFill>
+                  <a:srgbClr val="FF0000"/>
+                </a:solidFill>
+              </a:rPr>
+              <a:t>会导致无法启动</a:t>
+            </a:r>
+            <a:endParaRPr lang="zh-CN" altLang="en-US" dirty="0">
+              <a:solidFill>
+                <a:srgbClr val="FF0000"/>
+              </a:solidFill>
+            </a:endParaRPr>
+          </a:p>
+        </p:txBody>
+      </p:sp>
     </p:spTree>
     <p:extLst>
       <p:ext uri="{BB962C8B-B14F-4D97-AF65-F5344CB8AC3E}">
-        <p14:creationId xmlns:p14="http://schemas.microsoft.com/office/powerpoint/2010/main" val="576162053"/>
+        <p14:creationId xmlns:p14="http://schemas.microsoft.com/office/powerpoint/2010/main" xmlns="" val="576162053"/>
       </p:ext>
     </p:extLst>
   </p:cSld>
   <p:clrMapOvr>
     <a:masterClrMapping/>
   </p:clrMapOvr>
-  <mc:AlternateContent xmlns:mc="http://schemas.openxmlformats.org/markup-compatibility/2006" xmlns:p14="http://schemas.microsoft.com/office/powerpoint/2010/main">
-    <mc:Choice Requires="p14">
+  <mc:AlternateContent xmlns:mc="http://schemas.openxmlformats.org/markup-compatibility/2006">
+    <mc:Choice xmlns:p14="http://schemas.microsoft.com/office/powerpoint/2010/main" xmlns="" Requires="p14">
       <p:transition spd="slow" p14:dur="1500">
         <p:random/>
       </p:transition>
     </mc:Choice>
-    <mc:Fallback xmlns="">
+    <mc:Fallback>
       <p:transition spd="slow">
         <p:random/>
       </p:transition>
@@ -12123,7 +12271,7 @@
   <a:extraClrSchemeLst/>
   <a:extLst>
     <a:ext uri="{05A4C25C-085E-4340-85A3-A5531E510DB2}">
-      <thm15:themeFamily xmlns:thm15="http://schemas.microsoft.com/office/thememl/2012/main" name="Office Theme" id="{62F939B6-93AF-4DB8-9C6B-D6C7DFDC589F}" vid="{4A3C46E8-61CC-4603-A589-7422A47A8E4A}"/>
+      <thm15:themeFamily xmlns:thm15="http://schemas.microsoft.com/office/thememl/2012/main" xmlns="" name="Office Theme" id="{62F939B6-93AF-4DB8-9C6B-D6C7DFDC589F}" vid="{4A3C46E8-61CC-4603-A589-7422A47A8E4A}"/>
     </a:ext>
   </a:extLst>
 </a:theme>
@@ -12384,7 +12532,7 @@
   <a:extraClrSchemeLst/>
   <a:extLst>
     <a:ext uri="{05A4C25C-085E-4340-85A3-A5531E510DB2}">
-      <thm15:themeFamily xmlns:thm15="http://schemas.microsoft.com/office/thememl/2012/main" name="Office Theme" id="{62F939B6-93AF-4DB8-9C6B-D6C7DFDC589F}" vid="{4A3C46E8-61CC-4603-A589-7422A47A8E4A}"/>
+      <thm15:themeFamily xmlns:thm15="http://schemas.microsoft.com/office/thememl/2012/main" xmlns="" name="Office Theme" id="{62F939B6-93AF-4DB8-9C6B-D6C7DFDC589F}" vid="{4A3C46E8-61CC-4603-A589-7422A47A8E4A}"/>
     </a:ext>
   </a:extLst>
 </a:theme>
